--- a/ppt 16-9/1601.中国属于上帝.pptx
+++ b/ppt 16-9/1601.中国属于上帝.pptx
@@ -5,7 +5,7 @@
     <p:sldMasterId id="2147483648" r:id="rId1"/>
   </p:sldMasterIdLst>
   <p:sldIdLst>
-    <p:sldId id="3461" r:id="rId2"/>
+    <p:sldId id="3462" r:id="rId2"/>
   </p:sldIdLst>
   <p:sldSz cx="12192000" cy="6858000"/>
   <p:notesSz cx="6858000" cy="9144000"/>
@@ -129,7 +129,7 @@
           <p:cNvPr id="2" name="标题 1">
             <a:extLst>
               <a:ext uri="{FF2B5EF4-FFF2-40B4-BE49-F238E27FC236}">
-                <a16:creationId xmlns:a16="http://schemas.microsoft.com/office/drawing/2014/main" id="{BBFBA903-8DE8-1BD2-9F6D-551484842C5A}"/>
+                <a16:creationId xmlns:a16="http://schemas.microsoft.com/office/drawing/2014/main" id="{824BA355-AD47-6163-A11A-D981E56A596E}"/>
               </a:ext>
             </a:extLst>
           </p:cNvPr>
@@ -166,7 +166,7 @@
           <p:cNvPr id="3" name="副标题 2">
             <a:extLst>
               <a:ext uri="{FF2B5EF4-FFF2-40B4-BE49-F238E27FC236}">
-                <a16:creationId xmlns:a16="http://schemas.microsoft.com/office/drawing/2014/main" id="{24C8EB69-7076-90AA-9984-BD4CBE21BCC3}"/>
+                <a16:creationId xmlns:a16="http://schemas.microsoft.com/office/drawing/2014/main" id="{E53C6F04-7C5B-906E-7980-5497686FABAD}"/>
               </a:ext>
             </a:extLst>
           </p:cNvPr>
@@ -236,7 +236,7 @@
           <p:cNvPr id="4" name="日期占位符 3">
             <a:extLst>
               <a:ext uri="{FF2B5EF4-FFF2-40B4-BE49-F238E27FC236}">
-                <a16:creationId xmlns:a16="http://schemas.microsoft.com/office/drawing/2014/main" id="{F20F3F0E-E517-BB78-3DD1-427172103913}"/>
+                <a16:creationId xmlns:a16="http://schemas.microsoft.com/office/drawing/2014/main" id="{D369EEED-3D1B-6846-8778-FF510271324B}"/>
               </a:ext>
             </a:extLst>
           </p:cNvPr>
@@ -252,7 +252,7 @@
           <a:bodyPr/>
           <a:lstStyle/>
           <a:p>
-            <a:fld id="{C383687E-E1FB-433D-A601-35AD62EFA753}" type="datetimeFigureOut">
+            <a:fld id="{86AE4101-BC7F-42BD-BFE6-23A0CDC72E2D}" type="datetimeFigureOut">
               <a:rPr lang="zh-CN" altLang="en-US" smtClean="0"/>
               <a:t>2024/3/10</a:t>
             </a:fld>
@@ -265,7 +265,7 @@
           <p:cNvPr id="5" name="页脚占位符 4">
             <a:extLst>
               <a:ext uri="{FF2B5EF4-FFF2-40B4-BE49-F238E27FC236}">
-                <a16:creationId xmlns:a16="http://schemas.microsoft.com/office/drawing/2014/main" id="{6D051114-E3F8-5C5C-EAFA-85F252336E71}"/>
+                <a16:creationId xmlns:a16="http://schemas.microsoft.com/office/drawing/2014/main" id="{F41BE7B4-CD45-21FA-5BC1-9FD12ACB0E3F}"/>
               </a:ext>
             </a:extLst>
           </p:cNvPr>
@@ -290,7 +290,7 @@
           <p:cNvPr id="6" name="灯片编号占位符 5">
             <a:extLst>
               <a:ext uri="{FF2B5EF4-FFF2-40B4-BE49-F238E27FC236}">
-                <a16:creationId xmlns:a16="http://schemas.microsoft.com/office/drawing/2014/main" id="{DDB89259-01A0-F5D1-EB87-52952E09B226}"/>
+                <a16:creationId xmlns:a16="http://schemas.microsoft.com/office/drawing/2014/main" id="{A1D8D46B-A14D-3335-BC02-FD85F487C9FD}"/>
               </a:ext>
             </a:extLst>
           </p:cNvPr>
@@ -306,7 +306,7 @@
           <a:bodyPr/>
           <a:lstStyle/>
           <a:p>
-            <a:fld id="{1CC15B91-8BD1-4FE9-88E1-FEE313765004}" type="slidenum">
+            <a:fld id="{FAF866EC-4CB5-4643-AD43-BD6074233DC6}" type="slidenum">
               <a:rPr lang="zh-CN" altLang="en-US" smtClean="0"/>
               <a:t>‹#›</a:t>
             </a:fld>
@@ -317,7 +317,7 @@
     </p:spTree>
     <p:extLst>
       <p:ext uri="{BB962C8B-B14F-4D97-AF65-F5344CB8AC3E}">
-        <p14:creationId xmlns:p14="http://schemas.microsoft.com/office/powerpoint/2010/main" val="3613319628"/>
+        <p14:creationId xmlns:p14="http://schemas.microsoft.com/office/powerpoint/2010/main" val="3635219136"/>
       </p:ext>
     </p:extLst>
   </p:cSld>
@@ -349,7 +349,7 @@
           <p:cNvPr id="2" name="标题 1">
             <a:extLst>
               <a:ext uri="{FF2B5EF4-FFF2-40B4-BE49-F238E27FC236}">
-                <a16:creationId xmlns:a16="http://schemas.microsoft.com/office/drawing/2014/main" id="{525AB5B7-959A-11E1-1D48-5E21389925E0}"/>
+                <a16:creationId xmlns:a16="http://schemas.microsoft.com/office/drawing/2014/main" id="{AE2E3737-11F2-C30B-896E-86A35F240C49}"/>
               </a:ext>
             </a:extLst>
           </p:cNvPr>
@@ -377,7 +377,7 @@
           <p:cNvPr id="3" name="竖排文字占位符 2">
             <a:extLst>
               <a:ext uri="{FF2B5EF4-FFF2-40B4-BE49-F238E27FC236}">
-                <a16:creationId xmlns:a16="http://schemas.microsoft.com/office/drawing/2014/main" id="{6FDC49F5-434A-FE0F-FFC0-A21627A7E45A}"/>
+                <a16:creationId xmlns:a16="http://schemas.microsoft.com/office/drawing/2014/main" id="{FDD8C545-4B53-FEC9-3011-B8371FE3A17C}"/>
               </a:ext>
             </a:extLst>
           </p:cNvPr>
@@ -434,7 +434,7 @@
           <p:cNvPr id="4" name="日期占位符 3">
             <a:extLst>
               <a:ext uri="{FF2B5EF4-FFF2-40B4-BE49-F238E27FC236}">
-                <a16:creationId xmlns:a16="http://schemas.microsoft.com/office/drawing/2014/main" id="{E67518CF-AAD7-759A-CE4C-1D4D46DE4A19}"/>
+                <a16:creationId xmlns:a16="http://schemas.microsoft.com/office/drawing/2014/main" id="{4B070547-6B7E-69C7-CFEB-5BF88B5B0473}"/>
               </a:ext>
             </a:extLst>
           </p:cNvPr>
@@ -450,7 +450,7 @@
           <a:bodyPr/>
           <a:lstStyle/>
           <a:p>
-            <a:fld id="{C383687E-E1FB-433D-A601-35AD62EFA753}" type="datetimeFigureOut">
+            <a:fld id="{86AE4101-BC7F-42BD-BFE6-23A0CDC72E2D}" type="datetimeFigureOut">
               <a:rPr lang="zh-CN" altLang="en-US" smtClean="0"/>
               <a:t>2024/3/10</a:t>
             </a:fld>
@@ -463,7 +463,7 @@
           <p:cNvPr id="5" name="页脚占位符 4">
             <a:extLst>
               <a:ext uri="{FF2B5EF4-FFF2-40B4-BE49-F238E27FC236}">
-                <a16:creationId xmlns:a16="http://schemas.microsoft.com/office/drawing/2014/main" id="{DA16EDFE-4418-4CA9-E5AC-8E908F7FC8E3}"/>
+                <a16:creationId xmlns:a16="http://schemas.microsoft.com/office/drawing/2014/main" id="{739E90FE-EB8B-7CF2-22E4-DC1080C2C82A}"/>
               </a:ext>
             </a:extLst>
           </p:cNvPr>
@@ -488,7 +488,7 @@
           <p:cNvPr id="6" name="灯片编号占位符 5">
             <a:extLst>
               <a:ext uri="{FF2B5EF4-FFF2-40B4-BE49-F238E27FC236}">
-                <a16:creationId xmlns:a16="http://schemas.microsoft.com/office/drawing/2014/main" id="{7D12B553-4C51-A7F1-F8B7-99DF8AE86F19}"/>
+                <a16:creationId xmlns:a16="http://schemas.microsoft.com/office/drawing/2014/main" id="{4934C77D-5AC5-5400-ED7E-92A600F7230D}"/>
               </a:ext>
             </a:extLst>
           </p:cNvPr>
@@ -504,7 +504,7 @@
           <a:bodyPr/>
           <a:lstStyle/>
           <a:p>
-            <a:fld id="{1CC15B91-8BD1-4FE9-88E1-FEE313765004}" type="slidenum">
+            <a:fld id="{FAF866EC-4CB5-4643-AD43-BD6074233DC6}" type="slidenum">
               <a:rPr lang="zh-CN" altLang="en-US" smtClean="0"/>
               <a:t>‹#›</a:t>
             </a:fld>
@@ -515,7 +515,7 @@
     </p:spTree>
     <p:extLst>
       <p:ext uri="{BB962C8B-B14F-4D97-AF65-F5344CB8AC3E}">
-        <p14:creationId xmlns:p14="http://schemas.microsoft.com/office/powerpoint/2010/main" val="3915759349"/>
+        <p14:creationId xmlns:p14="http://schemas.microsoft.com/office/powerpoint/2010/main" val="1561791168"/>
       </p:ext>
     </p:extLst>
   </p:cSld>
@@ -547,7 +547,7 @@
           <p:cNvPr id="2" name="竖排标题 1">
             <a:extLst>
               <a:ext uri="{FF2B5EF4-FFF2-40B4-BE49-F238E27FC236}">
-                <a16:creationId xmlns:a16="http://schemas.microsoft.com/office/drawing/2014/main" id="{E8E4702D-D3E1-0533-863C-5EE7E94F90CE}"/>
+                <a16:creationId xmlns:a16="http://schemas.microsoft.com/office/drawing/2014/main" id="{C2E90679-495B-F390-DEAC-9C485A28D84C}"/>
               </a:ext>
             </a:extLst>
           </p:cNvPr>
@@ -580,7 +580,7 @@
           <p:cNvPr id="3" name="竖排文字占位符 2">
             <a:extLst>
               <a:ext uri="{FF2B5EF4-FFF2-40B4-BE49-F238E27FC236}">
-                <a16:creationId xmlns:a16="http://schemas.microsoft.com/office/drawing/2014/main" id="{C841545B-EEE6-6F5B-0198-582355B0222E}"/>
+                <a16:creationId xmlns:a16="http://schemas.microsoft.com/office/drawing/2014/main" id="{10DD52D2-9CDC-2AA1-CA59-CA3A6ECE3A6A}"/>
               </a:ext>
             </a:extLst>
           </p:cNvPr>
@@ -642,7 +642,7 @@
           <p:cNvPr id="4" name="日期占位符 3">
             <a:extLst>
               <a:ext uri="{FF2B5EF4-FFF2-40B4-BE49-F238E27FC236}">
-                <a16:creationId xmlns:a16="http://schemas.microsoft.com/office/drawing/2014/main" id="{E8CBEE8A-ECD3-F3BB-DABC-9FF2728E5686}"/>
+                <a16:creationId xmlns:a16="http://schemas.microsoft.com/office/drawing/2014/main" id="{1E89B327-11E4-EC0A-F9EE-A759E2E072BD}"/>
               </a:ext>
             </a:extLst>
           </p:cNvPr>
@@ -658,7 +658,7 @@
           <a:bodyPr/>
           <a:lstStyle/>
           <a:p>
-            <a:fld id="{C383687E-E1FB-433D-A601-35AD62EFA753}" type="datetimeFigureOut">
+            <a:fld id="{86AE4101-BC7F-42BD-BFE6-23A0CDC72E2D}" type="datetimeFigureOut">
               <a:rPr lang="zh-CN" altLang="en-US" smtClean="0"/>
               <a:t>2024/3/10</a:t>
             </a:fld>
@@ -671,7 +671,7 @@
           <p:cNvPr id="5" name="页脚占位符 4">
             <a:extLst>
               <a:ext uri="{FF2B5EF4-FFF2-40B4-BE49-F238E27FC236}">
-                <a16:creationId xmlns:a16="http://schemas.microsoft.com/office/drawing/2014/main" id="{D81D7A21-9A9F-2FCE-2366-F700271BE62C}"/>
+                <a16:creationId xmlns:a16="http://schemas.microsoft.com/office/drawing/2014/main" id="{5D013E5B-1314-A00D-71E3-A76AEFCB881B}"/>
               </a:ext>
             </a:extLst>
           </p:cNvPr>
@@ -696,7 +696,7 @@
           <p:cNvPr id="6" name="灯片编号占位符 5">
             <a:extLst>
               <a:ext uri="{FF2B5EF4-FFF2-40B4-BE49-F238E27FC236}">
-                <a16:creationId xmlns:a16="http://schemas.microsoft.com/office/drawing/2014/main" id="{E589D283-A417-F9AA-ADC7-344609DF64B1}"/>
+                <a16:creationId xmlns:a16="http://schemas.microsoft.com/office/drawing/2014/main" id="{F20186A1-0970-D2F9-A3DB-F37668D00658}"/>
               </a:ext>
             </a:extLst>
           </p:cNvPr>
@@ -712,7 +712,7 @@
           <a:bodyPr/>
           <a:lstStyle/>
           <a:p>
-            <a:fld id="{1CC15B91-8BD1-4FE9-88E1-FEE313765004}" type="slidenum">
+            <a:fld id="{FAF866EC-4CB5-4643-AD43-BD6074233DC6}" type="slidenum">
               <a:rPr lang="zh-CN" altLang="en-US" smtClean="0"/>
               <a:t>‹#›</a:t>
             </a:fld>
@@ -723,7 +723,7 @@
     </p:spTree>
     <p:extLst>
       <p:ext uri="{BB962C8B-B14F-4D97-AF65-F5344CB8AC3E}">
-        <p14:creationId xmlns:p14="http://schemas.microsoft.com/office/powerpoint/2010/main" val="319012280"/>
+        <p14:creationId xmlns:p14="http://schemas.microsoft.com/office/powerpoint/2010/main" val="2129697617"/>
       </p:ext>
     </p:extLst>
   </p:cSld>
@@ -755,7 +755,7 @@
           <p:cNvPr id="2" name="标题 1">
             <a:extLst>
               <a:ext uri="{FF2B5EF4-FFF2-40B4-BE49-F238E27FC236}">
-                <a16:creationId xmlns:a16="http://schemas.microsoft.com/office/drawing/2014/main" id="{7D2BF3ED-B4C9-E77A-8386-F3A35AAF9C72}"/>
+                <a16:creationId xmlns:a16="http://schemas.microsoft.com/office/drawing/2014/main" id="{F7B21698-0E8F-F0A2-8B85-C443EA9BD234}"/>
               </a:ext>
             </a:extLst>
           </p:cNvPr>
@@ -783,7 +783,7 @@
           <p:cNvPr id="3" name="内容占位符 2">
             <a:extLst>
               <a:ext uri="{FF2B5EF4-FFF2-40B4-BE49-F238E27FC236}">
-                <a16:creationId xmlns:a16="http://schemas.microsoft.com/office/drawing/2014/main" id="{9036ECA0-1C2E-A023-D6CF-6EB0AEBEE07F}"/>
+                <a16:creationId xmlns:a16="http://schemas.microsoft.com/office/drawing/2014/main" id="{468B5356-7404-88EF-D990-2FE4FC7C9BBF}"/>
               </a:ext>
             </a:extLst>
           </p:cNvPr>
@@ -840,7 +840,7 @@
           <p:cNvPr id="4" name="日期占位符 3">
             <a:extLst>
               <a:ext uri="{FF2B5EF4-FFF2-40B4-BE49-F238E27FC236}">
-                <a16:creationId xmlns:a16="http://schemas.microsoft.com/office/drawing/2014/main" id="{FFA04B9D-DF8C-0F33-5F53-852BAB57145F}"/>
+                <a16:creationId xmlns:a16="http://schemas.microsoft.com/office/drawing/2014/main" id="{60AE033C-4377-8A6C-D781-2BAE3EFA320B}"/>
               </a:ext>
             </a:extLst>
           </p:cNvPr>
@@ -856,7 +856,7 @@
           <a:bodyPr/>
           <a:lstStyle/>
           <a:p>
-            <a:fld id="{C383687E-E1FB-433D-A601-35AD62EFA753}" type="datetimeFigureOut">
+            <a:fld id="{86AE4101-BC7F-42BD-BFE6-23A0CDC72E2D}" type="datetimeFigureOut">
               <a:rPr lang="zh-CN" altLang="en-US" smtClean="0"/>
               <a:t>2024/3/10</a:t>
             </a:fld>
@@ -869,7 +869,7 @@
           <p:cNvPr id="5" name="页脚占位符 4">
             <a:extLst>
               <a:ext uri="{FF2B5EF4-FFF2-40B4-BE49-F238E27FC236}">
-                <a16:creationId xmlns:a16="http://schemas.microsoft.com/office/drawing/2014/main" id="{B7FFDB4F-5471-C920-B5B4-D1F1BA625D4E}"/>
+                <a16:creationId xmlns:a16="http://schemas.microsoft.com/office/drawing/2014/main" id="{9895B8D8-A77D-9AC6-6781-207F6245D14F}"/>
               </a:ext>
             </a:extLst>
           </p:cNvPr>
@@ -894,7 +894,7 @@
           <p:cNvPr id="6" name="灯片编号占位符 5">
             <a:extLst>
               <a:ext uri="{FF2B5EF4-FFF2-40B4-BE49-F238E27FC236}">
-                <a16:creationId xmlns:a16="http://schemas.microsoft.com/office/drawing/2014/main" id="{A1761634-7495-6167-1165-1EAE4A0FFD2D}"/>
+                <a16:creationId xmlns:a16="http://schemas.microsoft.com/office/drawing/2014/main" id="{2630EA0D-B31E-1482-6938-CAB01669B161}"/>
               </a:ext>
             </a:extLst>
           </p:cNvPr>
@@ -910,7 +910,7 @@
           <a:bodyPr/>
           <a:lstStyle/>
           <a:p>
-            <a:fld id="{1CC15B91-8BD1-4FE9-88E1-FEE313765004}" type="slidenum">
+            <a:fld id="{FAF866EC-4CB5-4643-AD43-BD6074233DC6}" type="slidenum">
               <a:rPr lang="zh-CN" altLang="en-US" smtClean="0"/>
               <a:t>‹#›</a:t>
             </a:fld>
@@ -921,7 +921,7 @@
     </p:spTree>
     <p:extLst>
       <p:ext uri="{BB962C8B-B14F-4D97-AF65-F5344CB8AC3E}">
-        <p14:creationId xmlns:p14="http://schemas.microsoft.com/office/powerpoint/2010/main" val="2206308293"/>
+        <p14:creationId xmlns:p14="http://schemas.microsoft.com/office/powerpoint/2010/main" val="2085634610"/>
       </p:ext>
     </p:extLst>
   </p:cSld>
@@ -953,7 +953,7 @@
           <p:cNvPr id="2" name="标题 1">
             <a:extLst>
               <a:ext uri="{FF2B5EF4-FFF2-40B4-BE49-F238E27FC236}">
-                <a16:creationId xmlns:a16="http://schemas.microsoft.com/office/drawing/2014/main" id="{BC54E2D6-6FC3-666E-36D4-9131A3E73FFB}"/>
+                <a16:creationId xmlns:a16="http://schemas.microsoft.com/office/drawing/2014/main" id="{9221BD5E-F58F-0FBE-4860-30C956DEC458}"/>
               </a:ext>
             </a:extLst>
           </p:cNvPr>
@@ -990,7 +990,7 @@
           <p:cNvPr id="3" name="文本占位符 2">
             <a:extLst>
               <a:ext uri="{FF2B5EF4-FFF2-40B4-BE49-F238E27FC236}">
-                <a16:creationId xmlns:a16="http://schemas.microsoft.com/office/drawing/2014/main" id="{583FFC5F-FD54-1691-C614-6900BBE5F4C4}"/>
+                <a16:creationId xmlns:a16="http://schemas.microsoft.com/office/drawing/2014/main" id="{04D3D166-C621-2D79-7B94-504A5BA39B57}"/>
               </a:ext>
             </a:extLst>
           </p:cNvPr>
@@ -1115,7 +1115,7 @@
           <p:cNvPr id="4" name="日期占位符 3">
             <a:extLst>
               <a:ext uri="{FF2B5EF4-FFF2-40B4-BE49-F238E27FC236}">
-                <a16:creationId xmlns:a16="http://schemas.microsoft.com/office/drawing/2014/main" id="{4E96DF2B-514D-DEA6-73E1-39313196D650}"/>
+                <a16:creationId xmlns:a16="http://schemas.microsoft.com/office/drawing/2014/main" id="{BDD549BB-226E-D9EE-0969-914F1EC7A917}"/>
               </a:ext>
             </a:extLst>
           </p:cNvPr>
@@ -1131,7 +1131,7 @@
           <a:bodyPr/>
           <a:lstStyle/>
           <a:p>
-            <a:fld id="{C383687E-E1FB-433D-A601-35AD62EFA753}" type="datetimeFigureOut">
+            <a:fld id="{86AE4101-BC7F-42BD-BFE6-23A0CDC72E2D}" type="datetimeFigureOut">
               <a:rPr lang="zh-CN" altLang="en-US" smtClean="0"/>
               <a:t>2024/3/10</a:t>
             </a:fld>
@@ -1144,7 +1144,7 @@
           <p:cNvPr id="5" name="页脚占位符 4">
             <a:extLst>
               <a:ext uri="{FF2B5EF4-FFF2-40B4-BE49-F238E27FC236}">
-                <a16:creationId xmlns:a16="http://schemas.microsoft.com/office/drawing/2014/main" id="{CAE46921-AF16-7C7E-CA93-515BD0500E89}"/>
+                <a16:creationId xmlns:a16="http://schemas.microsoft.com/office/drawing/2014/main" id="{6DF98AD3-7D4C-A689-F1AF-027BFBAE3D50}"/>
               </a:ext>
             </a:extLst>
           </p:cNvPr>
@@ -1169,7 +1169,7 @@
           <p:cNvPr id="6" name="灯片编号占位符 5">
             <a:extLst>
               <a:ext uri="{FF2B5EF4-FFF2-40B4-BE49-F238E27FC236}">
-                <a16:creationId xmlns:a16="http://schemas.microsoft.com/office/drawing/2014/main" id="{6437A919-99AD-78EC-CECE-B7F543408A06}"/>
+                <a16:creationId xmlns:a16="http://schemas.microsoft.com/office/drawing/2014/main" id="{774BED62-AAEB-572C-6D9A-277EC513BF6A}"/>
               </a:ext>
             </a:extLst>
           </p:cNvPr>
@@ -1185,7 +1185,7 @@
           <a:bodyPr/>
           <a:lstStyle/>
           <a:p>
-            <a:fld id="{1CC15B91-8BD1-4FE9-88E1-FEE313765004}" type="slidenum">
+            <a:fld id="{FAF866EC-4CB5-4643-AD43-BD6074233DC6}" type="slidenum">
               <a:rPr lang="zh-CN" altLang="en-US" smtClean="0"/>
               <a:t>‹#›</a:t>
             </a:fld>
@@ -1196,7 +1196,7 @@
     </p:spTree>
     <p:extLst>
       <p:ext uri="{BB962C8B-B14F-4D97-AF65-F5344CB8AC3E}">
-        <p14:creationId xmlns:p14="http://schemas.microsoft.com/office/powerpoint/2010/main" val="2298756490"/>
+        <p14:creationId xmlns:p14="http://schemas.microsoft.com/office/powerpoint/2010/main" val="3711571285"/>
       </p:ext>
     </p:extLst>
   </p:cSld>
@@ -1228,7 +1228,7 @@
           <p:cNvPr id="2" name="标题 1">
             <a:extLst>
               <a:ext uri="{FF2B5EF4-FFF2-40B4-BE49-F238E27FC236}">
-                <a16:creationId xmlns:a16="http://schemas.microsoft.com/office/drawing/2014/main" id="{97A2CCB8-3B4F-7617-C2E5-92460ACE839D}"/>
+                <a16:creationId xmlns:a16="http://schemas.microsoft.com/office/drawing/2014/main" id="{12E5EF7F-A6F0-B69E-D7C8-AE0A87DF3F87}"/>
               </a:ext>
             </a:extLst>
           </p:cNvPr>
@@ -1256,7 +1256,7 @@
           <p:cNvPr id="3" name="内容占位符 2">
             <a:extLst>
               <a:ext uri="{FF2B5EF4-FFF2-40B4-BE49-F238E27FC236}">
-                <a16:creationId xmlns:a16="http://schemas.microsoft.com/office/drawing/2014/main" id="{8423F726-A1A7-4C6A-BDBE-C2671B52F787}"/>
+                <a16:creationId xmlns:a16="http://schemas.microsoft.com/office/drawing/2014/main" id="{F71C3030-B33B-324A-0E43-7EF96144A68E}"/>
               </a:ext>
             </a:extLst>
           </p:cNvPr>
@@ -1318,7 +1318,7 @@
           <p:cNvPr id="4" name="内容占位符 3">
             <a:extLst>
               <a:ext uri="{FF2B5EF4-FFF2-40B4-BE49-F238E27FC236}">
-                <a16:creationId xmlns:a16="http://schemas.microsoft.com/office/drawing/2014/main" id="{48A5FBF8-C45A-F28E-B8BA-533FAC96C244}"/>
+                <a16:creationId xmlns:a16="http://schemas.microsoft.com/office/drawing/2014/main" id="{3033DE3B-B4C2-CFCB-3E4F-DED219903C73}"/>
               </a:ext>
             </a:extLst>
           </p:cNvPr>
@@ -1380,7 +1380,7 @@
           <p:cNvPr id="5" name="日期占位符 4">
             <a:extLst>
               <a:ext uri="{FF2B5EF4-FFF2-40B4-BE49-F238E27FC236}">
-                <a16:creationId xmlns:a16="http://schemas.microsoft.com/office/drawing/2014/main" id="{83092995-38FD-980A-6005-468C50861E2E}"/>
+                <a16:creationId xmlns:a16="http://schemas.microsoft.com/office/drawing/2014/main" id="{6FA840D2-9425-3ACC-2ABB-CEF41A264949}"/>
               </a:ext>
             </a:extLst>
           </p:cNvPr>
@@ -1396,7 +1396,7 @@
           <a:bodyPr/>
           <a:lstStyle/>
           <a:p>
-            <a:fld id="{C383687E-E1FB-433D-A601-35AD62EFA753}" type="datetimeFigureOut">
+            <a:fld id="{86AE4101-BC7F-42BD-BFE6-23A0CDC72E2D}" type="datetimeFigureOut">
               <a:rPr lang="zh-CN" altLang="en-US" smtClean="0"/>
               <a:t>2024/3/10</a:t>
             </a:fld>
@@ -1409,7 +1409,7 @@
           <p:cNvPr id="6" name="页脚占位符 5">
             <a:extLst>
               <a:ext uri="{FF2B5EF4-FFF2-40B4-BE49-F238E27FC236}">
-                <a16:creationId xmlns:a16="http://schemas.microsoft.com/office/drawing/2014/main" id="{62801E21-1F37-9A11-609C-6DDF59839A7D}"/>
+                <a16:creationId xmlns:a16="http://schemas.microsoft.com/office/drawing/2014/main" id="{E5D9FDA2-CD3D-287C-FA36-6C1FB5F9ABC9}"/>
               </a:ext>
             </a:extLst>
           </p:cNvPr>
@@ -1434,7 +1434,7 @@
           <p:cNvPr id="7" name="灯片编号占位符 6">
             <a:extLst>
               <a:ext uri="{FF2B5EF4-FFF2-40B4-BE49-F238E27FC236}">
-                <a16:creationId xmlns:a16="http://schemas.microsoft.com/office/drawing/2014/main" id="{3C8A7D7C-59ED-0CE1-3ECC-CC42F792E960}"/>
+                <a16:creationId xmlns:a16="http://schemas.microsoft.com/office/drawing/2014/main" id="{5CEB4530-3EB0-A638-D363-53977B7C716B}"/>
               </a:ext>
             </a:extLst>
           </p:cNvPr>
@@ -1450,7 +1450,7 @@
           <a:bodyPr/>
           <a:lstStyle/>
           <a:p>
-            <a:fld id="{1CC15B91-8BD1-4FE9-88E1-FEE313765004}" type="slidenum">
+            <a:fld id="{FAF866EC-4CB5-4643-AD43-BD6074233DC6}" type="slidenum">
               <a:rPr lang="zh-CN" altLang="en-US" smtClean="0"/>
               <a:t>‹#›</a:t>
             </a:fld>
@@ -1461,7 +1461,7 @@
     </p:spTree>
     <p:extLst>
       <p:ext uri="{BB962C8B-B14F-4D97-AF65-F5344CB8AC3E}">
-        <p14:creationId xmlns:p14="http://schemas.microsoft.com/office/powerpoint/2010/main" val="3658610494"/>
+        <p14:creationId xmlns:p14="http://schemas.microsoft.com/office/powerpoint/2010/main" val="1308041928"/>
       </p:ext>
     </p:extLst>
   </p:cSld>
@@ -1493,7 +1493,7 @@
           <p:cNvPr id="2" name="标题 1">
             <a:extLst>
               <a:ext uri="{FF2B5EF4-FFF2-40B4-BE49-F238E27FC236}">
-                <a16:creationId xmlns:a16="http://schemas.microsoft.com/office/drawing/2014/main" id="{6FBF5D91-E4E8-FB16-4E97-76E3F839AF61}"/>
+                <a16:creationId xmlns:a16="http://schemas.microsoft.com/office/drawing/2014/main" id="{F6C6BBA7-3421-42E7-48D4-9C59134C183A}"/>
               </a:ext>
             </a:extLst>
           </p:cNvPr>
@@ -1526,7 +1526,7 @@
           <p:cNvPr id="3" name="文本占位符 2">
             <a:extLst>
               <a:ext uri="{FF2B5EF4-FFF2-40B4-BE49-F238E27FC236}">
-                <a16:creationId xmlns:a16="http://schemas.microsoft.com/office/drawing/2014/main" id="{2C85992E-E54F-3EFC-3336-426DEF7E21D9}"/>
+                <a16:creationId xmlns:a16="http://schemas.microsoft.com/office/drawing/2014/main" id="{D7FC238D-6B57-9F6D-DFF6-29C08E747447}"/>
               </a:ext>
             </a:extLst>
           </p:cNvPr>
@@ -1597,7 +1597,7 @@
           <p:cNvPr id="4" name="内容占位符 3">
             <a:extLst>
               <a:ext uri="{FF2B5EF4-FFF2-40B4-BE49-F238E27FC236}">
-                <a16:creationId xmlns:a16="http://schemas.microsoft.com/office/drawing/2014/main" id="{1AB0B946-E1A7-AD40-9172-4B22BC7056D2}"/>
+                <a16:creationId xmlns:a16="http://schemas.microsoft.com/office/drawing/2014/main" id="{B796F463-007A-02E6-4CD6-71E574010B22}"/>
               </a:ext>
             </a:extLst>
           </p:cNvPr>
@@ -1659,7 +1659,7 @@
           <p:cNvPr id="5" name="文本占位符 4">
             <a:extLst>
               <a:ext uri="{FF2B5EF4-FFF2-40B4-BE49-F238E27FC236}">
-                <a16:creationId xmlns:a16="http://schemas.microsoft.com/office/drawing/2014/main" id="{29408DAE-F327-40E5-9BF8-F2AB887FF378}"/>
+                <a16:creationId xmlns:a16="http://schemas.microsoft.com/office/drawing/2014/main" id="{722FE659-009F-9DC1-B141-F6AD2FA08C70}"/>
               </a:ext>
             </a:extLst>
           </p:cNvPr>
@@ -1730,7 +1730,7 @@
           <p:cNvPr id="6" name="内容占位符 5">
             <a:extLst>
               <a:ext uri="{FF2B5EF4-FFF2-40B4-BE49-F238E27FC236}">
-                <a16:creationId xmlns:a16="http://schemas.microsoft.com/office/drawing/2014/main" id="{762C6483-F141-CD68-1E79-6CF26ACA337E}"/>
+                <a16:creationId xmlns:a16="http://schemas.microsoft.com/office/drawing/2014/main" id="{AC3101F9-BC25-0232-C420-79A85DD8AC4C}"/>
               </a:ext>
             </a:extLst>
           </p:cNvPr>
@@ -1792,7 +1792,7 @@
           <p:cNvPr id="7" name="日期占位符 6">
             <a:extLst>
               <a:ext uri="{FF2B5EF4-FFF2-40B4-BE49-F238E27FC236}">
-                <a16:creationId xmlns:a16="http://schemas.microsoft.com/office/drawing/2014/main" id="{FE610A02-5236-8CA3-3779-6D82AFA8AA91}"/>
+                <a16:creationId xmlns:a16="http://schemas.microsoft.com/office/drawing/2014/main" id="{4B339165-9E4B-D192-E379-51A9D6EAB686}"/>
               </a:ext>
             </a:extLst>
           </p:cNvPr>
@@ -1808,7 +1808,7 @@
           <a:bodyPr/>
           <a:lstStyle/>
           <a:p>
-            <a:fld id="{C383687E-E1FB-433D-A601-35AD62EFA753}" type="datetimeFigureOut">
+            <a:fld id="{86AE4101-BC7F-42BD-BFE6-23A0CDC72E2D}" type="datetimeFigureOut">
               <a:rPr lang="zh-CN" altLang="en-US" smtClean="0"/>
               <a:t>2024/3/10</a:t>
             </a:fld>
@@ -1821,7 +1821,7 @@
           <p:cNvPr id="8" name="页脚占位符 7">
             <a:extLst>
               <a:ext uri="{FF2B5EF4-FFF2-40B4-BE49-F238E27FC236}">
-                <a16:creationId xmlns:a16="http://schemas.microsoft.com/office/drawing/2014/main" id="{50BF745D-4EE3-08E8-41CD-DA4C437E408E}"/>
+                <a16:creationId xmlns:a16="http://schemas.microsoft.com/office/drawing/2014/main" id="{E0EB04E3-410A-32AE-2FC8-8AF1675099A6}"/>
               </a:ext>
             </a:extLst>
           </p:cNvPr>
@@ -1846,7 +1846,7 @@
           <p:cNvPr id="9" name="灯片编号占位符 8">
             <a:extLst>
               <a:ext uri="{FF2B5EF4-FFF2-40B4-BE49-F238E27FC236}">
-                <a16:creationId xmlns:a16="http://schemas.microsoft.com/office/drawing/2014/main" id="{6558D867-A0AB-34D1-BF87-739C139854C0}"/>
+                <a16:creationId xmlns:a16="http://schemas.microsoft.com/office/drawing/2014/main" id="{DEEFCE92-ED70-7227-E1D7-0E8DEE0A7993}"/>
               </a:ext>
             </a:extLst>
           </p:cNvPr>
@@ -1862,7 +1862,7 @@
           <a:bodyPr/>
           <a:lstStyle/>
           <a:p>
-            <a:fld id="{1CC15B91-8BD1-4FE9-88E1-FEE313765004}" type="slidenum">
+            <a:fld id="{FAF866EC-4CB5-4643-AD43-BD6074233DC6}" type="slidenum">
               <a:rPr lang="zh-CN" altLang="en-US" smtClean="0"/>
               <a:t>‹#›</a:t>
             </a:fld>
@@ -1873,7 +1873,7 @@
     </p:spTree>
     <p:extLst>
       <p:ext uri="{BB962C8B-B14F-4D97-AF65-F5344CB8AC3E}">
-        <p14:creationId xmlns:p14="http://schemas.microsoft.com/office/powerpoint/2010/main" val="2039113127"/>
+        <p14:creationId xmlns:p14="http://schemas.microsoft.com/office/powerpoint/2010/main" val="9188511"/>
       </p:ext>
     </p:extLst>
   </p:cSld>
@@ -1905,7 +1905,7 @@
           <p:cNvPr id="2" name="标题 1">
             <a:extLst>
               <a:ext uri="{FF2B5EF4-FFF2-40B4-BE49-F238E27FC236}">
-                <a16:creationId xmlns:a16="http://schemas.microsoft.com/office/drawing/2014/main" id="{EF7FA7F7-944A-D662-3493-2D11ADA0D856}"/>
+                <a16:creationId xmlns:a16="http://schemas.microsoft.com/office/drawing/2014/main" id="{5D856C8C-027C-9184-B81C-0302D3C7FF11}"/>
               </a:ext>
             </a:extLst>
           </p:cNvPr>
@@ -1933,7 +1933,7 @@
           <p:cNvPr id="3" name="日期占位符 2">
             <a:extLst>
               <a:ext uri="{FF2B5EF4-FFF2-40B4-BE49-F238E27FC236}">
-                <a16:creationId xmlns:a16="http://schemas.microsoft.com/office/drawing/2014/main" id="{9DD265DC-2878-CDC7-4A24-9E8EC51D8BFC}"/>
+                <a16:creationId xmlns:a16="http://schemas.microsoft.com/office/drawing/2014/main" id="{11094CF6-4225-17C8-1CDC-EADF1B511476}"/>
               </a:ext>
             </a:extLst>
           </p:cNvPr>
@@ -1949,7 +1949,7 @@
           <a:bodyPr/>
           <a:lstStyle/>
           <a:p>
-            <a:fld id="{C383687E-E1FB-433D-A601-35AD62EFA753}" type="datetimeFigureOut">
+            <a:fld id="{86AE4101-BC7F-42BD-BFE6-23A0CDC72E2D}" type="datetimeFigureOut">
               <a:rPr lang="zh-CN" altLang="en-US" smtClean="0"/>
               <a:t>2024/3/10</a:t>
             </a:fld>
@@ -1962,7 +1962,7 @@
           <p:cNvPr id="4" name="页脚占位符 3">
             <a:extLst>
               <a:ext uri="{FF2B5EF4-FFF2-40B4-BE49-F238E27FC236}">
-                <a16:creationId xmlns:a16="http://schemas.microsoft.com/office/drawing/2014/main" id="{D8B2AB64-F86B-D7B5-B7D7-88CFDAD681A8}"/>
+                <a16:creationId xmlns:a16="http://schemas.microsoft.com/office/drawing/2014/main" id="{FDC962F9-6E35-2CBD-3D36-F2F85636E7BE}"/>
               </a:ext>
             </a:extLst>
           </p:cNvPr>
@@ -1987,7 +1987,7 @@
           <p:cNvPr id="5" name="灯片编号占位符 4">
             <a:extLst>
               <a:ext uri="{FF2B5EF4-FFF2-40B4-BE49-F238E27FC236}">
-                <a16:creationId xmlns:a16="http://schemas.microsoft.com/office/drawing/2014/main" id="{8A2A797E-D210-7CFA-1A37-B0BE1A394979}"/>
+                <a16:creationId xmlns:a16="http://schemas.microsoft.com/office/drawing/2014/main" id="{83688B9B-6296-9FB2-9CAC-FB3411DCD8A8}"/>
               </a:ext>
             </a:extLst>
           </p:cNvPr>
@@ -2003,7 +2003,7 @@
           <a:bodyPr/>
           <a:lstStyle/>
           <a:p>
-            <a:fld id="{1CC15B91-8BD1-4FE9-88E1-FEE313765004}" type="slidenum">
+            <a:fld id="{FAF866EC-4CB5-4643-AD43-BD6074233DC6}" type="slidenum">
               <a:rPr lang="zh-CN" altLang="en-US" smtClean="0"/>
               <a:t>‹#›</a:t>
             </a:fld>
@@ -2014,7 +2014,7 @@
     </p:spTree>
     <p:extLst>
       <p:ext uri="{BB962C8B-B14F-4D97-AF65-F5344CB8AC3E}">
-        <p14:creationId xmlns:p14="http://schemas.microsoft.com/office/powerpoint/2010/main" val="3816590722"/>
+        <p14:creationId xmlns:p14="http://schemas.microsoft.com/office/powerpoint/2010/main" val="2180542575"/>
       </p:ext>
     </p:extLst>
   </p:cSld>
@@ -2046,7 +2046,7 @@
           <p:cNvPr id="2" name="日期占位符 1">
             <a:extLst>
               <a:ext uri="{FF2B5EF4-FFF2-40B4-BE49-F238E27FC236}">
-                <a16:creationId xmlns:a16="http://schemas.microsoft.com/office/drawing/2014/main" id="{CABAF4FD-ED52-5889-A1B6-9DE5CEB55852}"/>
+                <a16:creationId xmlns:a16="http://schemas.microsoft.com/office/drawing/2014/main" id="{D7DAED35-5B6D-227A-D334-B9F5B8132DAF}"/>
               </a:ext>
             </a:extLst>
           </p:cNvPr>
@@ -2062,7 +2062,7 @@
           <a:bodyPr/>
           <a:lstStyle/>
           <a:p>
-            <a:fld id="{C383687E-E1FB-433D-A601-35AD62EFA753}" type="datetimeFigureOut">
+            <a:fld id="{86AE4101-BC7F-42BD-BFE6-23A0CDC72E2D}" type="datetimeFigureOut">
               <a:rPr lang="zh-CN" altLang="en-US" smtClean="0"/>
               <a:t>2024/3/10</a:t>
             </a:fld>
@@ -2075,7 +2075,7 @@
           <p:cNvPr id="3" name="页脚占位符 2">
             <a:extLst>
               <a:ext uri="{FF2B5EF4-FFF2-40B4-BE49-F238E27FC236}">
-                <a16:creationId xmlns:a16="http://schemas.microsoft.com/office/drawing/2014/main" id="{8D8F0512-A0C2-817B-0C90-7C00B621D533}"/>
+                <a16:creationId xmlns:a16="http://schemas.microsoft.com/office/drawing/2014/main" id="{0BCF263E-F84B-40F7-6B1D-DAE490632C1B}"/>
               </a:ext>
             </a:extLst>
           </p:cNvPr>
@@ -2100,7 +2100,7 @@
           <p:cNvPr id="4" name="灯片编号占位符 3">
             <a:extLst>
               <a:ext uri="{FF2B5EF4-FFF2-40B4-BE49-F238E27FC236}">
-                <a16:creationId xmlns:a16="http://schemas.microsoft.com/office/drawing/2014/main" id="{C3FD8826-BA5E-2715-8FD1-CCBFD88453A1}"/>
+                <a16:creationId xmlns:a16="http://schemas.microsoft.com/office/drawing/2014/main" id="{3C09DEE2-0429-4E5E-326F-B6409C95C6CC}"/>
               </a:ext>
             </a:extLst>
           </p:cNvPr>
@@ -2116,7 +2116,7 @@
           <a:bodyPr/>
           <a:lstStyle/>
           <a:p>
-            <a:fld id="{1CC15B91-8BD1-4FE9-88E1-FEE313765004}" type="slidenum">
+            <a:fld id="{FAF866EC-4CB5-4643-AD43-BD6074233DC6}" type="slidenum">
               <a:rPr lang="zh-CN" altLang="en-US" smtClean="0"/>
               <a:t>‹#›</a:t>
             </a:fld>
@@ -2127,7 +2127,7 @@
     </p:spTree>
     <p:extLst>
       <p:ext uri="{BB962C8B-B14F-4D97-AF65-F5344CB8AC3E}">
-        <p14:creationId xmlns:p14="http://schemas.microsoft.com/office/powerpoint/2010/main" val="3273156291"/>
+        <p14:creationId xmlns:p14="http://schemas.microsoft.com/office/powerpoint/2010/main" val="1618748692"/>
       </p:ext>
     </p:extLst>
   </p:cSld>
@@ -2159,7 +2159,7 @@
           <p:cNvPr id="2" name="标题 1">
             <a:extLst>
               <a:ext uri="{FF2B5EF4-FFF2-40B4-BE49-F238E27FC236}">
-                <a16:creationId xmlns:a16="http://schemas.microsoft.com/office/drawing/2014/main" id="{9FCA53A7-C09E-8683-40AF-1EF34553EE61}"/>
+                <a16:creationId xmlns:a16="http://schemas.microsoft.com/office/drawing/2014/main" id="{3E951A94-10CF-2ADA-5100-B9BD608970AE}"/>
               </a:ext>
             </a:extLst>
           </p:cNvPr>
@@ -2196,7 +2196,7 @@
           <p:cNvPr id="3" name="内容占位符 2">
             <a:extLst>
               <a:ext uri="{FF2B5EF4-FFF2-40B4-BE49-F238E27FC236}">
-                <a16:creationId xmlns:a16="http://schemas.microsoft.com/office/drawing/2014/main" id="{7989D506-9885-9EBE-ACBE-D367F2B71640}"/>
+                <a16:creationId xmlns:a16="http://schemas.microsoft.com/office/drawing/2014/main" id="{4CD436FC-F287-44C9-51E0-FABBE9A936C8}"/>
               </a:ext>
             </a:extLst>
           </p:cNvPr>
@@ -2286,7 +2286,7 @@
           <p:cNvPr id="4" name="文本占位符 3">
             <a:extLst>
               <a:ext uri="{FF2B5EF4-FFF2-40B4-BE49-F238E27FC236}">
-                <a16:creationId xmlns:a16="http://schemas.microsoft.com/office/drawing/2014/main" id="{2430D451-3B2B-9443-21A3-14AAE4783777}"/>
+                <a16:creationId xmlns:a16="http://schemas.microsoft.com/office/drawing/2014/main" id="{6A2FFCC2-5A6C-521A-33FA-4AD5FCDB4C8F}"/>
               </a:ext>
             </a:extLst>
           </p:cNvPr>
@@ -2357,7 +2357,7 @@
           <p:cNvPr id="5" name="日期占位符 4">
             <a:extLst>
               <a:ext uri="{FF2B5EF4-FFF2-40B4-BE49-F238E27FC236}">
-                <a16:creationId xmlns:a16="http://schemas.microsoft.com/office/drawing/2014/main" id="{31A3E35E-CCD4-A79B-2E47-359C5DFE3D1C}"/>
+                <a16:creationId xmlns:a16="http://schemas.microsoft.com/office/drawing/2014/main" id="{E3059E77-C5CD-C9C6-51AC-C27767192697}"/>
               </a:ext>
             </a:extLst>
           </p:cNvPr>
@@ -2373,7 +2373,7 @@
           <a:bodyPr/>
           <a:lstStyle/>
           <a:p>
-            <a:fld id="{C383687E-E1FB-433D-A601-35AD62EFA753}" type="datetimeFigureOut">
+            <a:fld id="{86AE4101-BC7F-42BD-BFE6-23A0CDC72E2D}" type="datetimeFigureOut">
               <a:rPr lang="zh-CN" altLang="en-US" smtClean="0"/>
               <a:t>2024/3/10</a:t>
             </a:fld>
@@ -2386,7 +2386,7 @@
           <p:cNvPr id="6" name="页脚占位符 5">
             <a:extLst>
               <a:ext uri="{FF2B5EF4-FFF2-40B4-BE49-F238E27FC236}">
-                <a16:creationId xmlns:a16="http://schemas.microsoft.com/office/drawing/2014/main" id="{3F409B8D-A18A-58CB-7744-F426487A9032}"/>
+                <a16:creationId xmlns:a16="http://schemas.microsoft.com/office/drawing/2014/main" id="{B55C3D8A-8748-8D9E-B204-4A4333CD06AF}"/>
               </a:ext>
             </a:extLst>
           </p:cNvPr>
@@ -2411,7 +2411,7 @@
           <p:cNvPr id="7" name="灯片编号占位符 6">
             <a:extLst>
               <a:ext uri="{FF2B5EF4-FFF2-40B4-BE49-F238E27FC236}">
-                <a16:creationId xmlns:a16="http://schemas.microsoft.com/office/drawing/2014/main" id="{C3CBAC79-4DF2-A934-B0BC-38F9740D2616}"/>
+                <a16:creationId xmlns:a16="http://schemas.microsoft.com/office/drawing/2014/main" id="{63451C78-10F3-6BE7-BE81-8733F6F80680}"/>
               </a:ext>
             </a:extLst>
           </p:cNvPr>
@@ -2427,7 +2427,7 @@
           <a:bodyPr/>
           <a:lstStyle/>
           <a:p>
-            <a:fld id="{1CC15B91-8BD1-4FE9-88E1-FEE313765004}" type="slidenum">
+            <a:fld id="{FAF866EC-4CB5-4643-AD43-BD6074233DC6}" type="slidenum">
               <a:rPr lang="zh-CN" altLang="en-US" smtClean="0"/>
               <a:t>‹#›</a:t>
             </a:fld>
@@ -2438,7 +2438,7 @@
     </p:spTree>
     <p:extLst>
       <p:ext uri="{BB962C8B-B14F-4D97-AF65-F5344CB8AC3E}">
-        <p14:creationId xmlns:p14="http://schemas.microsoft.com/office/powerpoint/2010/main" val="888126797"/>
+        <p14:creationId xmlns:p14="http://schemas.microsoft.com/office/powerpoint/2010/main" val="1172549890"/>
       </p:ext>
     </p:extLst>
   </p:cSld>
@@ -2470,7 +2470,7 @@
           <p:cNvPr id="2" name="标题 1">
             <a:extLst>
               <a:ext uri="{FF2B5EF4-FFF2-40B4-BE49-F238E27FC236}">
-                <a16:creationId xmlns:a16="http://schemas.microsoft.com/office/drawing/2014/main" id="{B2296F01-0A43-2FB1-6C51-5FC568E3528C}"/>
+                <a16:creationId xmlns:a16="http://schemas.microsoft.com/office/drawing/2014/main" id="{AE27B13D-AD5F-E04F-300D-1A3E948B5C93}"/>
               </a:ext>
             </a:extLst>
           </p:cNvPr>
@@ -2507,7 +2507,7 @@
           <p:cNvPr id="3" name="图片占位符 2">
             <a:extLst>
               <a:ext uri="{FF2B5EF4-FFF2-40B4-BE49-F238E27FC236}">
-                <a16:creationId xmlns:a16="http://schemas.microsoft.com/office/drawing/2014/main" id="{50F8B418-5F9D-1D36-BE63-1D6964F3F19B}"/>
+                <a16:creationId xmlns:a16="http://schemas.microsoft.com/office/drawing/2014/main" id="{1B8D6E76-F37E-0A10-6CC8-551338469EC8}"/>
               </a:ext>
             </a:extLst>
           </p:cNvPr>
@@ -2574,7 +2574,7 @@
           <p:cNvPr id="4" name="文本占位符 3">
             <a:extLst>
               <a:ext uri="{FF2B5EF4-FFF2-40B4-BE49-F238E27FC236}">
-                <a16:creationId xmlns:a16="http://schemas.microsoft.com/office/drawing/2014/main" id="{0A123D51-A3B5-63C5-2E13-ADA66735C465}"/>
+                <a16:creationId xmlns:a16="http://schemas.microsoft.com/office/drawing/2014/main" id="{69CE9E95-E5F7-2485-AA2F-AC9A76B325E4}"/>
               </a:ext>
             </a:extLst>
           </p:cNvPr>
@@ -2645,7 +2645,7 @@
           <p:cNvPr id="5" name="日期占位符 4">
             <a:extLst>
               <a:ext uri="{FF2B5EF4-FFF2-40B4-BE49-F238E27FC236}">
-                <a16:creationId xmlns:a16="http://schemas.microsoft.com/office/drawing/2014/main" id="{C99F2C62-FE97-344E-A3D2-EA2694EF7A90}"/>
+                <a16:creationId xmlns:a16="http://schemas.microsoft.com/office/drawing/2014/main" id="{851B188D-A6B0-7B6E-7974-D6C2C7DBB1A3}"/>
               </a:ext>
             </a:extLst>
           </p:cNvPr>
@@ -2661,7 +2661,7 @@
           <a:bodyPr/>
           <a:lstStyle/>
           <a:p>
-            <a:fld id="{C383687E-E1FB-433D-A601-35AD62EFA753}" type="datetimeFigureOut">
+            <a:fld id="{86AE4101-BC7F-42BD-BFE6-23A0CDC72E2D}" type="datetimeFigureOut">
               <a:rPr lang="zh-CN" altLang="en-US" smtClean="0"/>
               <a:t>2024/3/10</a:t>
             </a:fld>
@@ -2674,7 +2674,7 @@
           <p:cNvPr id="6" name="页脚占位符 5">
             <a:extLst>
               <a:ext uri="{FF2B5EF4-FFF2-40B4-BE49-F238E27FC236}">
-                <a16:creationId xmlns:a16="http://schemas.microsoft.com/office/drawing/2014/main" id="{9AE5D5B0-DBCD-7CD7-6DBB-25FDC809BC24}"/>
+                <a16:creationId xmlns:a16="http://schemas.microsoft.com/office/drawing/2014/main" id="{760FF171-6322-0424-FBC0-DBA60E631A29}"/>
               </a:ext>
             </a:extLst>
           </p:cNvPr>
@@ -2699,7 +2699,7 @@
           <p:cNvPr id="7" name="灯片编号占位符 6">
             <a:extLst>
               <a:ext uri="{FF2B5EF4-FFF2-40B4-BE49-F238E27FC236}">
-                <a16:creationId xmlns:a16="http://schemas.microsoft.com/office/drawing/2014/main" id="{9AC33901-82B0-A51D-0080-F316C2149A2D}"/>
+                <a16:creationId xmlns:a16="http://schemas.microsoft.com/office/drawing/2014/main" id="{741C69FD-839B-0554-BAC6-FD2E62EB2E9E}"/>
               </a:ext>
             </a:extLst>
           </p:cNvPr>
@@ -2715,7 +2715,7 @@
           <a:bodyPr/>
           <a:lstStyle/>
           <a:p>
-            <a:fld id="{1CC15B91-8BD1-4FE9-88E1-FEE313765004}" type="slidenum">
+            <a:fld id="{FAF866EC-4CB5-4643-AD43-BD6074233DC6}" type="slidenum">
               <a:rPr lang="zh-CN" altLang="en-US" smtClean="0"/>
               <a:t>‹#›</a:t>
             </a:fld>
@@ -2726,7 +2726,7 @@
     </p:spTree>
     <p:extLst>
       <p:ext uri="{BB962C8B-B14F-4D97-AF65-F5344CB8AC3E}">
-        <p14:creationId xmlns:p14="http://schemas.microsoft.com/office/powerpoint/2010/main" val="211598965"/>
+        <p14:creationId xmlns:p14="http://schemas.microsoft.com/office/powerpoint/2010/main" val="2938616499"/>
       </p:ext>
     </p:extLst>
   </p:cSld>
@@ -2763,7 +2763,7 @@
           <p:cNvPr id="2" name="标题占位符 1">
             <a:extLst>
               <a:ext uri="{FF2B5EF4-FFF2-40B4-BE49-F238E27FC236}">
-                <a16:creationId xmlns:a16="http://schemas.microsoft.com/office/drawing/2014/main" id="{A252C1BF-0226-53B2-D332-AC2889393790}"/>
+                <a16:creationId xmlns:a16="http://schemas.microsoft.com/office/drawing/2014/main" id="{7D07956D-032B-9D13-92F1-93D1CAFE7533}"/>
               </a:ext>
             </a:extLst>
           </p:cNvPr>
@@ -2801,7 +2801,7 @@
           <p:cNvPr id="3" name="文本占位符 2">
             <a:extLst>
               <a:ext uri="{FF2B5EF4-FFF2-40B4-BE49-F238E27FC236}">
-                <a16:creationId xmlns:a16="http://schemas.microsoft.com/office/drawing/2014/main" id="{F3B639A4-2033-230A-A428-3EAE864F86BF}"/>
+                <a16:creationId xmlns:a16="http://schemas.microsoft.com/office/drawing/2014/main" id="{915E1E89-21F9-A15D-9A39-D3BDD0264A04}"/>
               </a:ext>
             </a:extLst>
           </p:cNvPr>
@@ -2868,7 +2868,7 @@
           <p:cNvPr id="4" name="日期占位符 3">
             <a:extLst>
               <a:ext uri="{FF2B5EF4-FFF2-40B4-BE49-F238E27FC236}">
-                <a16:creationId xmlns:a16="http://schemas.microsoft.com/office/drawing/2014/main" id="{EE04184C-D7B2-0D08-21FA-6D411113977F}"/>
+                <a16:creationId xmlns:a16="http://schemas.microsoft.com/office/drawing/2014/main" id="{6BC5A20F-E798-7ADA-570A-7B409396F178}"/>
               </a:ext>
             </a:extLst>
           </p:cNvPr>
@@ -2902,7 +2902,7 @@
             </a:lvl1pPr>
           </a:lstStyle>
           <a:p>
-            <a:fld id="{C383687E-E1FB-433D-A601-35AD62EFA753}" type="datetimeFigureOut">
+            <a:fld id="{86AE4101-BC7F-42BD-BFE6-23A0CDC72E2D}" type="datetimeFigureOut">
               <a:rPr lang="zh-CN" altLang="en-US" smtClean="0"/>
               <a:t>2024/3/10</a:t>
             </a:fld>
@@ -2915,7 +2915,7 @@
           <p:cNvPr id="5" name="页脚占位符 4">
             <a:extLst>
               <a:ext uri="{FF2B5EF4-FFF2-40B4-BE49-F238E27FC236}">
-                <a16:creationId xmlns:a16="http://schemas.microsoft.com/office/drawing/2014/main" id="{07C5D5F9-159A-E550-9342-FB9EB54A5ACA}"/>
+                <a16:creationId xmlns:a16="http://schemas.microsoft.com/office/drawing/2014/main" id="{B6A0B88B-8EFB-9F5C-5544-AC42068BB880}"/>
               </a:ext>
             </a:extLst>
           </p:cNvPr>
@@ -2958,7 +2958,7 @@
           <p:cNvPr id="6" name="灯片编号占位符 5">
             <a:extLst>
               <a:ext uri="{FF2B5EF4-FFF2-40B4-BE49-F238E27FC236}">
-                <a16:creationId xmlns:a16="http://schemas.microsoft.com/office/drawing/2014/main" id="{B5B2DCA0-68E4-2422-5B0F-56E3B39224BB}"/>
+                <a16:creationId xmlns:a16="http://schemas.microsoft.com/office/drawing/2014/main" id="{AD516912-841E-9BCE-DB6C-50ECEE819BCA}"/>
               </a:ext>
             </a:extLst>
           </p:cNvPr>
@@ -2992,7 +2992,7 @@
             </a:lvl1pPr>
           </a:lstStyle>
           <a:p>
-            <a:fld id="{1CC15B91-8BD1-4FE9-88E1-FEE313765004}" type="slidenum">
+            <a:fld id="{FAF866EC-4CB5-4643-AD43-BD6074233DC6}" type="slidenum">
               <a:rPr lang="zh-CN" altLang="en-US" smtClean="0"/>
               <a:t>‹#›</a:t>
             </a:fld>
@@ -3003,7 +3003,7 @@
     </p:spTree>
     <p:extLst>
       <p:ext uri="{BB962C8B-B14F-4D97-AF65-F5344CB8AC3E}">
-        <p14:creationId xmlns:p14="http://schemas.microsoft.com/office/powerpoint/2010/main" val="1242934946"/>
+        <p14:creationId xmlns:p14="http://schemas.microsoft.com/office/powerpoint/2010/main" val="3280402565"/>
       </p:ext>
     </p:extLst>
   </p:cSld>
@@ -3323,7 +3323,7 @@
       </p:grpSpPr>
       <p:pic>
         <p:nvPicPr>
-          <p:cNvPr id="1639426" name="Picture 2" descr="1600"/>
+          <p:cNvPr id="1640450" name="Picture 2" descr="1601"/>
           <p:cNvPicPr>
             <a:picLocks noChangeAspect="1" noChangeArrowheads="1"/>
           </p:cNvPicPr>
@@ -3344,8 +3344,8 @@
         </p:blipFill>
         <p:spPr bwMode="auto">
           <a:xfrm>
-            <a:off x="1524000" y="14288"/>
-            <a:ext cx="9124950" cy="5719762"/>
+            <a:off x="1524000" y="1"/>
+            <a:ext cx="9124950" cy="6843713"/>
           </a:xfrm>
           <a:prstGeom prst="rect">
             <a:avLst/>
